--- a/기획서/당근키우기 데이터 설계.pptx
+++ b/기획서/당근키우기 데이터 설계.pptx
@@ -264,7 +264,7 @@
           <a:p>
             <a:fld id="{D5659E74-9E74-4CE2-92CA-87E35DA2CAD2}" type="datetimeFigureOut">
               <a:rPr lang="ko-KR" altLang="en-US" smtClean="0"/>
-              <a:t>2020-10-18</a:t>
+              <a:t>2020-10-21</a:t>
             </a:fld>
             <a:endParaRPr lang="ko-KR" altLang="en-US"/>
           </a:p>
@@ -462,7 +462,7 @@
           <a:p>
             <a:fld id="{D5659E74-9E74-4CE2-92CA-87E35DA2CAD2}" type="datetimeFigureOut">
               <a:rPr lang="ko-KR" altLang="en-US" smtClean="0"/>
-              <a:t>2020-10-18</a:t>
+              <a:t>2020-10-21</a:t>
             </a:fld>
             <a:endParaRPr lang="ko-KR" altLang="en-US"/>
           </a:p>
@@ -670,7 +670,7 @@
           <a:p>
             <a:fld id="{D5659E74-9E74-4CE2-92CA-87E35DA2CAD2}" type="datetimeFigureOut">
               <a:rPr lang="ko-KR" altLang="en-US" smtClean="0"/>
-              <a:t>2020-10-18</a:t>
+              <a:t>2020-10-21</a:t>
             </a:fld>
             <a:endParaRPr lang="ko-KR" altLang="en-US"/>
           </a:p>
@@ -868,7 +868,7 @@
           <a:p>
             <a:fld id="{D5659E74-9E74-4CE2-92CA-87E35DA2CAD2}" type="datetimeFigureOut">
               <a:rPr lang="ko-KR" altLang="en-US" smtClean="0"/>
-              <a:t>2020-10-18</a:t>
+              <a:t>2020-10-21</a:t>
             </a:fld>
             <a:endParaRPr lang="ko-KR" altLang="en-US"/>
           </a:p>
@@ -1143,7 +1143,7 @@
           <a:p>
             <a:fld id="{D5659E74-9E74-4CE2-92CA-87E35DA2CAD2}" type="datetimeFigureOut">
               <a:rPr lang="ko-KR" altLang="en-US" smtClean="0"/>
-              <a:t>2020-10-18</a:t>
+              <a:t>2020-10-21</a:t>
             </a:fld>
             <a:endParaRPr lang="ko-KR" altLang="en-US"/>
           </a:p>
@@ -1408,7 +1408,7 @@
           <a:p>
             <a:fld id="{D5659E74-9E74-4CE2-92CA-87E35DA2CAD2}" type="datetimeFigureOut">
               <a:rPr lang="ko-KR" altLang="en-US" smtClean="0"/>
-              <a:t>2020-10-18</a:t>
+              <a:t>2020-10-21</a:t>
             </a:fld>
             <a:endParaRPr lang="ko-KR" altLang="en-US"/>
           </a:p>
@@ -1820,7 +1820,7 @@
           <a:p>
             <a:fld id="{D5659E74-9E74-4CE2-92CA-87E35DA2CAD2}" type="datetimeFigureOut">
               <a:rPr lang="ko-KR" altLang="en-US" smtClean="0"/>
-              <a:t>2020-10-18</a:t>
+              <a:t>2020-10-21</a:t>
             </a:fld>
             <a:endParaRPr lang="ko-KR" altLang="en-US"/>
           </a:p>
@@ -1961,7 +1961,7 @@
           <a:p>
             <a:fld id="{D5659E74-9E74-4CE2-92CA-87E35DA2CAD2}" type="datetimeFigureOut">
               <a:rPr lang="ko-KR" altLang="en-US" smtClean="0"/>
-              <a:t>2020-10-18</a:t>
+              <a:t>2020-10-21</a:t>
             </a:fld>
             <a:endParaRPr lang="ko-KR" altLang="en-US"/>
           </a:p>
@@ -2074,7 +2074,7 @@
           <a:p>
             <a:fld id="{D5659E74-9E74-4CE2-92CA-87E35DA2CAD2}" type="datetimeFigureOut">
               <a:rPr lang="ko-KR" altLang="en-US" smtClean="0"/>
-              <a:t>2020-10-18</a:t>
+              <a:t>2020-10-21</a:t>
             </a:fld>
             <a:endParaRPr lang="ko-KR" altLang="en-US"/>
           </a:p>
@@ -2385,7 +2385,7 @@
           <a:p>
             <a:fld id="{D5659E74-9E74-4CE2-92CA-87E35DA2CAD2}" type="datetimeFigureOut">
               <a:rPr lang="ko-KR" altLang="en-US" smtClean="0"/>
-              <a:t>2020-10-18</a:t>
+              <a:t>2020-10-21</a:t>
             </a:fld>
             <a:endParaRPr lang="ko-KR" altLang="en-US"/>
           </a:p>
@@ -2673,7 +2673,7 @@
           <a:p>
             <a:fld id="{D5659E74-9E74-4CE2-92CA-87E35DA2CAD2}" type="datetimeFigureOut">
               <a:rPr lang="ko-KR" altLang="en-US" smtClean="0"/>
-              <a:t>2020-10-18</a:t>
+              <a:t>2020-10-21</a:t>
             </a:fld>
             <a:endParaRPr lang="ko-KR" altLang="en-US"/>
           </a:p>
@@ -2914,7 +2914,7 @@
           <a:p>
             <a:fld id="{D5659E74-9E74-4CE2-92CA-87E35DA2CAD2}" type="datetimeFigureOut">
               <a:rPr lang="ko-KR" altLang="en-US" smtClean="0"/>
-              <a:t>2020-10-18</a:t>
+              <a:t>2020-10-21</a:t>
             </a:fld>
             <a:endParaRPr lang="ko-KR" altLang="en-US"/>
           </a:p>
@@ -3582,7 +3582,7 @@
           <p:nvPr>
             <p:extLst>
               <p:ext uri="{D42A27DB-BD31-4B8C-83A1-F6EECF244321}">
-                <p14:modId xmlns:p14="http://schemas.microsoft.com/office/powerpoint/2010/main" val="394940205"/>
+                <p14:modId xmlns:p14="http://schemas.microsoft.com/office/powerpoint/2010/main" val="2551264421"/>
               </p:ext>
             </p:extLst>
           </p:nvPr>
@@ -3981,6 +3981,10 @@
                     <a:lstStyle/>
                     <a:p>
                       <a:pPr latinLnBrk="1"/>
+                      <a:r>
+                        <a:rPr lang="en-US" altLang="ko-KR" dirty="0"/>
+                        <a:t>2020.10.21</a:t>
+                      </a:r>
                       <a:endParaRPr lang="ko-KR" altLang="en-US" dirty="0"/>
                     </a:p>
                   </a:txBody>
@@ -4032,7 +4036,14 @@
                     <a:lstStyle/>
                     <a:p>
                       <a:pPr latinLnBrk="1"/>
-                      <a:endParaRPr lang="ko-KR" altLang="en-US" dirty="0"/>
+                      <a:r>
+                        <a:rPr lang="en-US" altLang="ko-KR" dirty="0"/>
+                        <a:t>Class Design </a:t>
+                      </a:r>
+                      <a:r>
+                        <a:rPr lang="ko-KR" altLang="en-US" dirty="0"/>
+                        <a:t>수정</a:t>
+                      </a:r>
                     </a:p>
                   </a:txBody>
                   <a:tcPr>
@@ -5960,7 +5971,7 @@
       </p:grpSp>
       <p:pic>
         <p:nvPicPr>
-          <p:cNvPr id="10" name="그림 9" descr="텍스트이(가) 표시된 사진&#10;&#10;자동 생성된 설명">
+          <p:cNvPr id="10" name="그림 9">
             <a:extLst>
               <a:ext uri="{FF2B5EF4-FFF2-40B4-BE49-F238E27FC236}">
                 <a16:creationId xmlns:a16="http://schemas.microsoft.com/office/drawing/2014/main" id="{F4B94AA7-A1BC-4D20-AFF8-32EE11B67181}"/>
@@ -5980,14 +5991,13 @@
               </a:ext>
             </a:extLst>
           </a:blip>
-          <a:stretch>
-            <a:fillRect/>
-          </a:stretch>
+          <a:srcRect/>
+          <a:stretch/>
         </p:blipFill>
         <p:spPr>
           <a:xfrm>
             <a:off x="528035" y="1438233"/>
-            <a:ext cx="6237600" cy="4599718"/>
+            <a:ext cx="6237599" cy="4599718"/>
           </a:xfrm>
           <a:prstGeom prst="rect">
             <a:avLst/>

--- a/기획서/당근키우기 데이터 설계.pptx
+++ b/기획서/당근키우기 데이터 설계.pptx
@@ -264,7 +264,7 @@
           <a:p>
             <a:fld id="{D5659E74-9E74-4CE2-92CA-87E35DA2CAD2}" type="datetimeFigureOut">
               <a:rPr lang="ko-KR" altLang="en-US" smtClean="0"/>
-              <a:t>2020-10-21</a:t>
+              <a:t>2020-10-22</a:t>
             </a:fld>
             <a:endParaRPr lang="ko-KR" altLang="en-US"/>
           </a:p>
@@ -462,7 +462,7 @@
           <a:p>
             <a:fld id="{D5659E74-9E74-4CE2-92CA-87E35DA2CAD2}" type="datetimeFigureOut">
               <a:rPr lang="ko-KR" altLang="en-US" smtClean="0"/>
-              <a:t>2020-10-21</a:t>
+              <a:t>2020-10-22</a:t>
             </a:fld>
             <a:endParaRPr lang="ko-KR" altLang="en-US"/>
           </a:p>
@@ -670,7 +670,7 @@
           <a:p>
             <a:fld id="{D5659E74-9E74-4CE2-92CA-87E35DA2CAD2}" type="datetimeFigureOut">
               <a:rPr lang="ko-KR" altLang="en-US" smtClean="0"/>
-              <a:t>2020-10-21</a:t>
+              <a:t>2020-10-22</a:t>
             </a:fld>
             <a:endParaRPr lang="ko-KR" altLang="en-US"/>
           </a:p>
@@ -868,7 +868,7 @@
           <a:p>
             <a:fld id="{D5659E74-9E74-4CE2-92CA-87E35DA2CAD2}" type="datetimeFigureOut">
               <a:rPr lang="ko-KR" altLang="en-US" smtClean="0"/>
-              <a:t>2020-10-21</a:t>
+              <a:t>2020-10-22</a:t>
             </a:fld>
             <a:endParaRPr lang="ko-KR" altLang="en-US"/>
           </a:p>
@@ -1143,7 +1143,7 @@
           <a:p>
             <a:fld id="{D5659E74-9E74-4CE2-92CA-87E35DA2CAD2}" type="datetimeFigureOut">
               <a:rPr lang="ko-KR" altLang="en-US" smtClean="0"/>
-              <a:t>2020-10-21</a:t>
+              <a:t>2020-10-22</a:t>
             </a:fld>
             <a:endParaRPr lang="ko-KR" altLang="en-US"/>
           </a:p>
@@ -1408,7 +1408,7 @@
           <a:p>
             <a:fld id="{D5659E74-9E74-4CE2-92CA-87E35DA2CAD2}" type="datetimeFigureOut">
               <a:rPr lang="ko-KR" altLang="en-US" smtClean="0"/>
-              <a:t>2020-10-21</a:t>
+              <a:t>2020-10-22</a:t>
             </a:fld>
             <a:endParaRPr lang="ko-KR" altLang="en-US"/>
           </a:p>
@@ -1820,7 +1820,7 @@
           <a:p>
             <a:fld id="{D5659E74-9E74-4CE2-92CA-87E35DA2CAD2}" type="datetimeFigureOut">
               <a:rPr lang="ko-KR" altLang="en-US" smtClean="0"/>
-              <a:t>2020-10-21</a:t>
+              <a:t>2020-10-22</a:t>
             </a:fld>
             <a:endParaRPr lang="ko-KR" altLang="en-US"/>
           </a:p>
@@ -1961,7 +1961,7 @@
           <a:p>
             <a:fld id="{D5659E74-9E74-4CE2-92CA-87E35DA2CAD2}" type="datetimeFigureOut">
               <a:rPr lang="ko-KR" altLang="en-US" smtClean="0"/>
-              <a:t>2020-10-21</a:t>
+              <a:t>2020-10-22</a:t>
             </a:fld>
             <a:endParaRPr lang="ko-KR" altLang="en-US"/>
           </a:p>
@@ -2074,7 +2074,7 @@
           <a:p>
             <a:fld id="{D5659E74-9E74-4CE2-92CA-87E35DA2CAD2}" type="datetimeFigureOut">
               <a:rPr lang="ko-KR" altLang="en-US" smtClean="0"/>
-              <a:t>2020-10-21</a:t>
+              <a:t>2020-10-22</a:t>
             </a:fld>
             <a:endParaRPr lang="ko-KR" altLang="en-US"/>
           </a:p>
@@ -2385,7 +2385,7 @@
           <a:p>
             <a:fld id="{D5659E74-9E74-4CE2-92CA-87E35DA2CAD2}" type="datetimeFigureOut">
               <a:rPr lang="ko-KR" altLang="en-US" smtClean="0"/>
-              <a:t>2020-10-21</a:t>
+              <a:t>2020-10-22</a:t>
             </a:fld>
             <a:endParaRPr lang="ko-KR" altLang="en-US"/>
           </a:p>
@@ -2673,7 +2673,7 @@
           <a:p>
             <a:fld id="{D5659E74-9E74-4CE2-92CA-87E35DA2CAD2}" type="datetimeFigureOut">
               <a:rPr lang="ko-KR" altLang="en-US" smtClean="0"/>
-              <a:t>2020-10-21</a:t>
+              <a:t>2020-10-22</a:t>
             </a:fld>
             <a:endParaRPr lang="ko-KR" altLang="en-US"/>
           </a:p>
@@ -2914,7 +2914,7 @@
           <a:p>
             <a:fld id="{D5659E74-9E74-4CE2-92CA-87E35DA2CAD2}" type="datetimeFigureOut">
               <a:rPr lang="ko-KR" altLang="en-US" smtClean="0"/>
-              <a:t>2020-10-21</a:t>
+              <a:t>2020-10-22</a:t>
             </a:fld>
             <a:endParaRPr lang="ko-KR" altLang="en-US"/>
           </a:p>
@@ -3582,7 +3582,7 @@
           <p:nvPr>
             <p:extLst>
               <p:ext uri="{D42A27DB-BD31-4B8C-83A1-F6EECF244321}">
-                <p14:modId xmlns:p14="http://schemas.microsoft.com/office/powerpoint/2010/main" val="2551264421"/>
+                <p14:modId xmlns:p14="http://schemas.microsoft.com/office/powerpoint/2010/main" val="185947185"/>
               </p:ext>
             </p:extLst>
           </p:nvPr>
@@ -4152,6 +4152,10 @@
                     <a:lstStyle/>
                     <a:p>
                       <a:pPr latinLnBrk="1"/>
+                      <a:r>
+                        <a:rPr lang="en-US" altLang="ko-KR" dirty="0"/>
+                        <a:t>2020.10.22</a:t>
+                      </a:r>
                       <a:endParaRPr lang="ko-KR" altLang="en-US" dirty="0"/>
                     </a:p>
                   </a:txBody>
@@ -4203,7 +4207,14 @@
                     <a:lstStyle/>
                     <a:p>
                       <a:pPr latinLnBrk="1"/>
-                      <a:endParaRPr lang="ko-KR" altLang="en-US" dirty="0"/>
+                      <a:r>
+                        <a:rPr lang="en-US" altLang="ko-KR" dirty="0"/>
+                        <a:t>Class Design </a:t>
+                      </a:r>
+                      <a:r>
+                        <a:rPr lang="ko-KR" altLang="en-US" dirty="0"/>
+                        <a:t>수정</a:t>
+                      </a:r>
                     </a:p>
                   </a:txBody>
                   <a:tcPr>
@@ -5996,8 +6007,8 @@
         </p:blipFill>
         <p:spPr>
           <a:xfrm>
-            <a:off x="528035" y="1438233"/>
-            <a:ext cx="6237599" cy="4599718"/>
+            <a:off x="782977" y="1438233"/>
+            <a:ext cx="5727714" cy="4599718"/>
           </a:xfrm>
           <a:prstGeom prst="rect">
             <a:avLst/>

--- a/기획서/당근키우기 데이터 설계.pptx
+++ b/기획서/당근키우기 데이터 설계.pptx
@@ -264,7 +264,7 @@
           <a:p>
             <a:fld id="{D5659E74-9E74-4CE2-92CA-87E35DA2CAD2}" type="datetimeFigureOut">
               <a:rPr lang="ko-KR" altLang="en-US" smtClean="0"/>
-              <a:t>2020-10-22</a:t>
+              <a:t>2020-10-26</a:t>
             </a:fld>
             <a:endParaRPr lang="ko-KR" altLang="en-US"/>
           </a:p>
@@ -462,7 +462,7 @@
           <a:p>
             <a:fld id="{D5659E74-9E74-4CE2-92CA-87E35DA2CAD2}" type="datetimeFigureOut">
               <a:rPr lang="ko-KR" altLang="en-US" smtClean="0"/>
-              <a:t>2020-10-22</a:t>
+              <a:t>2020-10-26</a:t>
             </a:fld>
             <a:endParaRPr lang="ko-KR" altLang="en-US"/>
           </a:p>
@@ -670,7 +670,7 @@
           <a:p>
             <a:fld id="{D5659E74-9E74-4CE2-92CA-87E35DA2CAD2}" type="datetimeFigureOut">
               <a:rPr lang="ko-KR" altLang="en-US" smtClean="0"/>
-              <a:t>2020-10-22</a:t>
+              <a:t>2020-10-26</a:t>
             </a:fld>
             <a:endParaRPr lang="ko-KR" altLang="en-US"/>
           </a:p>
@@ -868,7 +868,7 @@
           <a:p>
             <a:fld id="{D5659E74-9E74-4CE2-92CA-87E35DA2CAD2}" type="datetimeFigureOut">
               <a:rPr lang="ko-KR" altLang="en-US" smtClean="0"/>
-              <a:t>2020-10-22</a:t>
+              <a:t>2020-10-26</a:t>
             </a:fld>
             <a:endParaRPr lang="ko-KR" altLang="en-US"/>
           </a:p>
@@ -1143,7 +1143,7 @@
           <a:p>
             <a:fld id="{D5659E74-9E74-4CE2-92CA-87E35DA2CAD2}" type="datetimeFigureOut">
               <a:rPr lang="ko-KR" altLang="en-US" smtClean="0"/>
-              <a:t>2020-10-22</a:t>
+              <a:t>2020-10-26</a:t>
             </a:fld>
             <a:endParaRPr lang="ko-KR" altLang="en-US"/>
           </a:p>
@@ -1408,7 +1408,7 @@
           <a:p>
             <a:fld id="{D5659E74-9E74-4CE2-92CA-87E35DA2CAD2}" type="datetimeFigureOut">
               <a:rPr lang="ko-KR" altLang="en-US" smtClean="0"/>
-              <a:t>2020-10-22</a:t>
+              <a:t>2020-10-26</a:t>
             </a:fld>
             <a:endParaRPr lang="ko-KR" altLang="en-US"/>
           </a:p>
@@ -1820,7 +1820,7 @@
           <a:p>
             <a:fld id="{D5659E74-9E74-4CE2-92CA-87E35DA2CAD2}" type="datetimeFigureOut">
               <a:rPr lang="ko-KR" altLang="en-US" smtClean="0"/>
-              <a:t>2020-10-22</a:t>
+              <a:t>2020-10-26</a:t>
             </a:fld>
             <a:endParaRPr lang="ko-KR" altLang="en-US"/>
           </a:p>
@@ -1961,7 +1961,7 @@
           <a:p>
             <a:fld id="{D5659E74-9E74-4CE2-92CA-87E35DA2CAD2}" type="datetimeFigureOut">
               <a:rPr lang="ko-KR" altLang="en-US" smtClean="0"/>
-              <a:t>2020-10-22</a:t>
+              <a:t>2020-10-26</a:t>
             </a:fld>
             <a:endParaRPr lang="ko-KR" altLang="en-US"/>
           </a:p>
@@ -2074,7 +2074,7 @@
           <a:p>
             <a:fld id="{D5659E74-9E74-4CE2-92CA-87E35DA2CAD2}" type="datetimeFigureOut">
               <a:rPr lang="ko-KR" altLang="en-US" smtClean="0"/>
-              <a:t>2020-10-22</a:t>
+              <a:t>2020-10-26</a:t>
             </a:fld>
             <a:endParaRPr lang="ko-KR" altLang="en-US"/>
           </a:p>
@@ -2385,7 +2385,7 @@
           <a:p>
             <a:fld id="{D5659E74-9E74-4CE2-92CA-87E35DA2CAD2}" type="datetimeFigureOut">
               <a:rPr lang="ko-KR" altLang="en-US" smtClean="0"/>
-              <a:t>2020-10-22</a:t>
+              <a:t>2020-10-26</a:t>
             </a:fld>
             <a:endParaRPr lang="ko-KR" altLang="en-US"/>
           </a:p>
@@ -2673,7 +2673,7 @@
           <a:p>
             <a:fld id="{D5659E74-9E74-4CE2-92CA-87E35DA2CAD2}" type="datetimeFigureOut">
               <a:rPr lang="ko-KR" altLang="en-US" smtClean="0"/>
-              <a:t>2020-10-22</a:t>
+              <a:t>2020-10-26</a:t>
             </a:fld>
             <a:endParaRPr lang="ko-KR" altLang="en-US"/>
           </a:p>
@@ -2914,7 +2914,7 @@
           <a:p>
             <a:fld id="{D5659E74-9E74-4CE2-92CA-87E35DA2CAD2}" type="datetimeFigureOut">
               <a:rPr lang="ko-KR" altLang="en-US" smtClean="0"/>
-              <a:t>2020-10-22</a:t>
+              <a:t>2020-10-26</a:t>
             </a:fld>
             <a:endParaRPr lang="ko-KR" altLang="en-US"/>
           </a:p>
@@ -3582,14 +3582,14 @@
           <p:nvPr>
             <p:extLst>
               <p:ext uri="{D42A27DB-BD31-4B8C-83A1-F6EECF244321}">
-                <p14:modId xmlns:p14="http://schemas.microsoft.com/office/powerpoint/2010/main" val="185947185"/>
+                <p14:modId xmlns:p14="http://schemas.microsoft.com/office/powerpoint/2010/main" val="3313621124"/>
               </p:ext>
             </p:extLst>
           </p:nvPr>
         </p:nvGraphicFramePr>
         <p:xfrm>
-          <a:off x="955963" y="995904"/>
-          <a:ext cx="10280073" cy="5436602"/>
+          <a:off x="955963" y="995903"/>
+          <a:ext cx="10280073" cy="3486276"/>
         </p:xfrm>
         <a:graphic>
           <a:graphicData uri="http://schemas.openxmlformats.org/drawingml/2006/table">
@@ -3620,7 +3620,7 @@
                   </a:extLst>
                 </a:gridCol>
               </a:tblGrid>
-              <a:tr h="391221">
+              <a:tr h="387364">
                 <a:tc>
                   <a:txBody>
                     <a:bodyPr/>
@@ -3807,7 +3807,7 @@
                   </a:ext>
                 </a:extLst>
               </a:tr>
-              <a:tr h="391221">
+              <a:tr h="387364">
                 <a:tc>
                   <a:txBody>
                     <a:bodyPr/>
@@ -3974,7 +3974,7 @@
                   </a:ext>
                 </a:extLst>
               </a:tr>
-              <a:tr h="684636">
+              <a:tr h="387364">
                 <a:tc>
                   <a:txBody>
                     <a:bodyPr/>
@@ -4145,7 +4145,7 @@
                   </a:ext>
                 </a:extLst>
               </a:tr>
-              <a:tr h="391221">
+              <a:tr h="387364">
                 <a:tc>
                   <a:txBody>
                     <a:bodyPr/>
@@ -4316,14 +4316,76 @@
                   </a:ext>
                 </a:extLst>
               </a:tr>
-              <a:tr h="978053">
+              <a:tr h="387364">
                 <a:tc>
                   <a:txBody>
                     <a:bodyPr/>
                     <a:lstStyle/>
                     <a:p>
                       <a:pPr latinLnBrk="1"/>
+                      <a:r>
+                        <a:rPr lang="en-US" altLang="ko-KR" dirty="0"/>
+                        <a:t>2020.10.26</a:t>
+                      </a:r>
                       <a:endParaRPr lang="ko-KR" altLang="en-US" dirty="0"/>
+                    </a:p>
+                  </a:txBody>
+                  <a:tcPr>
+                    <a:lnL w="12700" cap="flat" cmpd="sng" algn="ctr">
+                      <a:solidFill>
+                        <a:schemeClr val="tx1"/>
+                      </a:solidFill>
+                      <a:prstDash val="solid"/>
+                      <a:round/>
+                      <a:headEnd type="none" w="med" len="med"/>
+                      <a:tailEnd type="none" w="med" len="med"/>
+                    </a:lnL>
+                    <a:lnR w="12700" cap="flat" cmpd="sng" algn="ctr">
+                      <a:solidFill>
+                        <a:schemeClr val="tx1"/>
+                      </a:solidFill>
+                      <a:prstDash val="solid"/>
+                      <a:round/>
+                      <a:headEnd type="none" w="med" len="med"/>
+                      <a:tailEnd type="none" w="med" len="med"/>
+                    </a:lnR>
+                    <a:lnT w="12700" cap="flat" cmpd="sng" algn="ctr">
+                      <a:solidFill>
+                        <a:schemeClr val="tx1"/>
+                      </a:solidFill>
+                      <a:prstDash val="solid"/>
+                      <a:round/>
+                      <a:headEnd type="none" w="med" len="med"/>
+                      <a:tailEnd type="none" w="med" len="med"/>
+                    </a:lnT>
+                    <a:lnB w="12700" cap="flat" cmpd="sng" algn="ctr">
+                      <a:solidFill>
+                        <a:schemeClr val="tx1"/>
+                      </a:solidFill>
+                      <a:prstDash val="solid"/>
+                      <a:round/>
+                      <a:headEnd type="none" w="med" len="med"/>
+                      <a:tailEnd type="none" w="med" len="med"/>
+                    </a:lnB>
+                    <a:solidFill>
+                      <a:schemeClr val="bg1"/>
+                    </a:solidFill>
+                  </a:tcPr>
+                </a:tc>
+                <a:tc>
+                  <a:txBody>
+                    <a:bodyPr/>
+                    <a:lstStyle/>
+                    <a:p>
+                      <a:pPr latinLnBrk="1"/>
+                      <a:r>
+                        <a:rPr lang="en-US" altLang="ko-KR" dirty="0"/>
+                        <a:t>Class Design, ERD </a:t>
+                      </a:r>
+                      <a:r>
+                        <a:rPr lang="ko-KR" altLang="en-US" dirty="0"/>
+                        <a:t>수정</a:t>
+                      </a:r>
                     </a:p>
                   </a:txBody>
                   <a:tcPr>
@@ -4419,64 +4481,13 @@
                     </a:solidFill>
                   </a:tcPr>
                 </a:tc>
-                <a:tc>
-                  <a:txBody>
-                    <a:bodyPr/>
-                    <a:lstStyle/>
-                    <a:p>
-                      <a:pPr latinLnBrk="1"/>
-                      <a:endParaRPr lang="ko-KR" altLang="en-US" dirty="0"/>
-                    </a:p>
-                  </a:txBody>
-                  <a:tcPr>
-                    <a:lnL w="12700" cap="flat" cmpd="sng" algn="ctr">
-                      <a:solidFill>
-                        <a:schemeClr val="tx1"/>
-                      </a:solidFill>
-                      <a:prstDash val="solid"/>
-                      <a:round/>
-                      <a:headEnd type="none" w="med" len="med"/>
-                      <a:tailEnd type="none" w="med" len="med"/>
-                    </a:lnL>
-                    <a:lnR w="12700" cap="flat" cmpd="sng" algn="ctr">
-                      <a:solidFill>
-                        <a:schemeClr val="tx1"/>
-                      </a:solidFill>
-                      <a:prstDash val="solid"/>
-                      <a:round/>
-                      <a:headEnd type="none" w="med" len="med"/>
-                      <a:tailEnd type="none" w="med" len="med"/>
-                    </a:lnR>
-                    <a:lnT w="12700" cap="flat" cmpd="sng" algn="ctr">
-                      <a:solidFill>
-                        <a:schemeClr val="tx1"/>
-                      </a:solidFill>
-                      <a:prstDash val="solid"/>
-                      <a:round/>
-                      <a:headEnd type="none" w="med" len="med"/>
-                      <a:tailEnd type="none" w="med" len="med"/>
-                    </a:lnT>
-                    <a:lnB w="12700" cap="flat" cmpd="sng" algn="ctr">
-                      <a:solidFill>
-                        <a:schemeClr val="tx1"/>
-                      </a:solidFill>
-                      <a:prstDash val="solid"/>
-                      <a:round/>
-                      <a:headEnd type="none" w="med" len="med"/>
-                      <a:tailEnd type="none" w="med" len="med"/>
-                    </a:lnB>
-                    <a:solidFill>
-                      <a:schemeClr val="bg1"/>
-                    </a:solidFill>
-                  </a:tcPr>
-                </a:tc>
                 <a:extLst>
                   <a:ext uri="{0D108BD9-81ED-4DB2-BD59-A6C34878D82A}">
                     <a16:rowId xmlns:a16="http://schemas.microsoft.com/office/drawing/2014/main" val="1632979252"/>
                   </a:ext>
                 </a:extLst>
               </a:tr>
-              <a:tr h="425430">
+              <a:tr h="387364">
                 <a:tc>
                   <a:txBody>
                     <a:bodyPr/>
@@ -4636,7 +4647,7 @@
                   </a:ext>
                 </a:extLst>
               </a:tr>
-              <a:tr h="640102">
+              <a:tr h="387364">
                 <a:tc>
                   <a:txBody>
                     <a:bodyPr/>
@@ -4796,7 +4807,7 @@
                   </a:ext>
                 </a:extLst>
               </a:tr>
-              <a:tr h="631943">
+              <a:tr h="387364">
                 <a:tc>
                   <a:txBody>
                     <a:bodyPr/>
@@ -4956,7 +4967,7 @@
                   </a:ext>
                 </a:extLst>
               </a:tr>
-              <a:tr h="902775">
+              <a:tr h="387364">
                 <a:tc>
                   <a:txBody>
                     <a:bodyPr/>
@@ -6008,7 +6019,7 @@
         <p:spPr>
           <a:xfrm>
             <a:off x="782977" y="1438233"/>
-            <a:ext cx="5727714" cy="4599718"/>
+            <a:ext cx="5727714" cy="4599717"/>
           </a:xfrm>
           <a:prstGeom prst="rect">
             <a:avLst/>
@@ -6494,7 +6505,7 @@
       </p:grpSp>
       <p:pic>
         <p:nvPicPr>
-          <p:cNvPr id="10" name="그림 9" descr="텍스트이(가) 표시된 사진&#10;&#10;자동 생성된 설명">
+          <p:cNvPr id="10" name="그림 9">
             <a:extLst>
               <a:ext uri="{FF2B5EF4-FFF2-40B4-BE49-F238E27FC236}">
                 <a16:creationId xmlns:a16="http://schemas.microsoft.com/office/drawing/2014/main" id="{01CC9E3E-1AE8-4FAA-A4D5-913CF6F640EF}"/>
@@ -6514,14 +6525,13 @@
               </a:ext>
             </a:extLst>
           </a:blip>
-          <a:stretch>
-            <a:fillRect/>
-          </a:stretch>
+          <a:srcRect/>
+          <a:stretch/>
         </p:blipFill>
         <p:spPr>
           <a:xfrm>
-            <a:off x="713043" y="1438233"/>
-            <a:ext cx="5949080" cy="3547727"/>
+            <a:off x="713043" y="1447845"/>
+            <a:ext cx="5949080" cy="3528502"/>
           </a:xfrm>
           <a:prstGeom prst="rect">
             <a:avLst/>

--- a/기획서/당근키우기 데이터 설계.pptx
+++ b/기획서/당근키우기 데이터 설계.pptx
@@ -264,7 +264,7 @@
           <a:p>
             <a:fld id="{D5659E74-9E74-4CE2-92CA-87E35DA2CAD2}" type="datetimeFigureOut">
               <a:rPr lang="ko-KR" altLang="en-US" smtClean="0"/>
-              <a:t>2020-10-26</a:t>
+              <a:t>2020-11-12</a:t>
             </a:fld>
             <a:endParaRPr lang="ko-KR" altLang="en-US"/>
           </a:p>
@@ -462,7 +462,7 @@
           <a:p>
             <a:fld id="{D5659E74-9E74-4CE2-92CA-87E35DA2CAD2}" type="datetimeFigureOut">
               <a:rPr lang="ko-KR" altLang="en-US" smtClean="0"/>
-              <a:t>2020-10-26</a:t>
+              <a:t>2020-11-12</a:t>
             </a:fld>
             <a:endParaRPr lang="ko-KR" altLang="en-US"/>
           </a:p>
@@ -670,7 +670,7 @@
           <a:p>
             <a:fld id="{D5659E74-9E74-4CE2-92CA-87E35DA2CAD2}" type="datetimeFigureOut">
               <a:rPr lang="ko-KR" altLang="en-US" smtClean="0"/>
-              <a:t>2020-10-26</a:t>
+              <a:t>2020-11-12</a:t>
             </a:fld>
             <a:endParaRPr lang="ko-KR" altLang="en-US"/>
           </a:p>
@@ -868,7 +868,7 @@
           <a:p>
             <a:fld id="{D5659E74-9E74-4CE2-92CA-87E35DA2CAD2}" type="datetimeFigureOut">
               <a:rPr lang="ko-KR" altLang="en-US" smtClean="0"/>
-              <a:t>2020-10-26</a:t>
+              <a:t>2020-11-12</a:t>
             </a:fld>
             <a:endParaRPr lang="ko-KR" altLang="en-US"/>
           </a:p>
@@ -1143,7 +1143,7 @@
           <a:p>
             <a:fld id="{D5659E74-9E74-4CE2-92CA-87E35DA2CAD2}" type="datetimeFigureOut">
               <a:rPr lang="ko-KR" altLang="en-US" smtClean="0"/>
-              <a:t>2020-10-26</a:t>
+              <a:t>2020-11-12</a:t>
             </a:fld>
             <a:endParaRPr lang="ko-KR" altLang="en-US"/>
           </a:p>
@@ -1408,7 +1408,7 @@
           <a:p>
             <a:fld id="{D5659E74-9E74-4CE2-92CA-87E35DA2CAD2}" type="datetimeFigureOut">
               <a:rPr lang="ko-KR" altLang="en-US" smtClean="0"/>
-              <a:t>2020-10-26</a:t>
+              <a:t>2020-11-12</a:t>
             </a:fld>
             <a:endParaRPr lang="ko-KR" altLang="en-US"/>
           </a:p>
@@ -1820,7 +1820,7 @@
           <a:p>
             <a:fld id="{D5659E74-9E74-4CE2-92CA-87E35DA2CAD2}" type="datetimeFigureOut">
               <a:rPr lang="ko-KR" altLang="en-US" smtClean="0"/>
-              <a:t>2020-10-26</a:t>
+              <a:t>2020-11-12</a:t>
             </a:fld>
             <a:endParaRPr lang="ko-KR" altLang="en-US"/>
           </a:p>
@@ -1961,7 +1961,7 @@
           <a:p>
             <a:fld id="{D5659E74-9E74-4CE2-92CA-87E35DA2CAD2}" type="datetimeFigureOut">
               <a:rPr lang="ko-KR" altLang="en-US" smtClean="0"/>
-              <a:t>2020-10-26</a:t>
+              <a:t>2020-11-12</a:t>
             </a:fld>
             <a:endParaRPr lang="ko-KR" altLang="en-US"/>
           </a:p>
@@ -2074,7 +2074,7 @@
           <a:p>
             <a:fld id="{D5659E74-9E74-4CE2-92CA-87E35DA2CAD2}" type="datetimeFigureOut">
               <a:rPr lang="ko-KR" altLang="en-US" smtClean="0"/>
-              <a:t>2020-10-26</a:t>
+              <a:t>2020-11-12</a:t>
             </a:fld>
             <a:endParaRPr lang="ko-KR" altLang="en-US"/>
           </a:p>
@@ -2385,7 +2385,7 @@
           <a:p>
             <a:fld id="{D5659E74-9E74-4CE2-92CA-87E35DA2CAD2}" type="datetimeFigureOut">
               <a:rPr lang="ko-KR" altLang="en-US" smtClean="0"/>
-              <a:t>2020-10-26</a:t>
+              <a:t>2020-11-12</a:t>
             </a:fld>
             <a:endParaRPr lang="ko-KR" altLang="en-US"/>
           </a:p>
@@ -2673,7 +2673,7 @@
           <a:p>
             <a:fld id="{D5659E74-9E74-4CE2-92CA-87E35DA2CAD2}" type="datetimeFigureOut">
               <a:rPr lang="ko-KR" altLang="en-US" smtClean="0"/>
-              <a:t>2020-10-26</a:t>
+              <a:t>2020-11-12</a:t>
             </a:fld>
             <a:endParaRPr lang="ko-KR" altLang="en-US"/>
           </a:p>
@@ -2914,7 +2914,7 @@
           <a:p>
             <a:fld id="{D5659E74-9E74-4CE2-92CA-87E35DA2CAD2}" type="datetimeFigureOut">
               <a:rPr lang="ko-KR" altLang="en-US" smtClean="0"/>
-              <a:t>2020-10-26</a:t>
+              <a:t>2020-11-12</a:t>
             </a:fld>
             <a:endParaRPr lang="ko-KR" altLang="en-US"/>
           </a:p>
@@ -3582,7 +3582,7 @@
           <p:nvPr>
             <p:extLst>
               <p:ext uri="{D42A27DB-BD31-4B8C-83A1-F6EECF244321}">
-                <p14:modId xmlns:p14="http://schemas.microsoft.com/office/powerpoint/2010/main" val="3313621124"/>
+                <p14:modId xmlns:p14="http://schemas.microsoft.com/office/powerpoint/2010/main" val="452528684"/>
               </p:ext>
             </p:extLst>
           </p:nvPr>
@@ -4494,6 +4494,10 @@
                     <a:lstStyle/>
                     <a:p>
                       <a:pPr latinLnBrk="1"/>
+                      <a:r>
+                        <a:rPr lang="en-US" altLang="ko-KR" dirty="0"/>
+                        <a:t>2020.11.12</a:t>
+                      </a:r>
                       <a:endParaRPr lang="ko-KR" altLang="en-US" dirty="0"/>
                     </a:p>
                   </a:txBody>
@@ -4545,6 +4549,14 @@
                     <a:lstStyle/>
                     <a:p>
                       <a:pPr latinLnBrk="1"/>
+                      <a:r>
+                        <a:rPr lang="ko-KR" altLang="en-US" dirty="0"/>
+                        <a:t>누락 항목 추가</a:t>
+                      </a:r>
+                      <a:r>
+                        <a:rPr lang="en-US" altLang="ko-KR" dirty="0"/>
+                        <a:t>(Name Col)</a:t>
+                      </a:r>
                       <a:endParaRPr lang="ko-KR" altLang="en-US" dirty="0"/>
                     </a:p>
                   </a:txBody>
@@ -6018,8 +6030,8 @@
         </p:blipFill>
         <p:spPr>
           <a:xfrm>
-            <a:off x="782977" y="1438233"/>
-            <a:ext cx="5727714" cy="4599717"/>
+            <a:off x="889412" y="1438233"/>
+            <a:ext cx="5514843" cy="4599717"/>
           </a:xfrm>
           <a:prstGeom prst="rect">
             <a:avLst/>
@@ -6530,8 +6542,8 @@
         </p:blipFill>
         <p:spPr>
           <a:xfrm>
-            <a:off x="713043" y="1447845"/>
-            <a:ext cx="5949080" cy="3528502"/>
+            <a:off x="714706" y="1447845"/>
+            <a:ext cx="5945754" cy="3528502"/>
           </a:xfrm>
           <a:prstGeom prst="rect">
             <a:avLst/>
